--- a/science/circuit7.pptx
+++ b/science/circuit7.pptx
@@ -1760,7 +1760,7 @@
           </a:ln>
           <a:extLst>
             <a:ext uri="{C572A759-6A51-4108-AA02-DFA0A04FC94B}">
-              <ma14:wrappingTextBoxFlag xmlns="" xmlns:ma14="http://schemas.microsoft.com/office/mac/drawingml/2011/main" val="1"/>
+              <ma14:wrappingTextBoxFlag xmlns:ma14="http://schemas.microsoft.com/office/mac/drawingml/2011/main" xmlns="" val="1"/>
             </a:ext>
           </a:extLst>
         </p:spPr>
@@ -1803,7 +1803,7 @@
           </a:ln>
           <a:extLst>
             <a:ext uri="{C572A759-6A51-4108-AA02-DFA0A04FC94B}">
-              <ma14:wrappingTextBoxFlag xmlns="" xmlns:ma14="http://schemas.microsoft.com/office/mac/drawingml/2011/main" val="1"/>
+              <ma14:wrappingTextBoxFlag xmlns:ma14="http://schemas.microsoft.com/office/mac/drawingml/2011/main" xmlns="" val="1"/>
             </a:ext>
           </a:extLst>
         </p:spPr>
@@ -8319,7 +8319,7 @@
         </p:nvGrpSpPr>
         <p:grpSpPr bwMode="auto">
           <a:xfrm>
-            <a:off x="3483565" y="3289298"/>
+            <a:off x="3470313" y="3289298"/>
             <a:ext cx="927924" cy="151369"/>
             <a:chOff x="359" y="2064"/>
             <a:chExt cx="1177" cy="192"/>
@@ -17458,7 +17458,7 @@
         </p:nvCxnSpPr>
         <p:spPr>
           <a:xfrm rot="5400000" flipH="1" flipV="1">
-            <a:off x="5766220" y="1490472"/>
+            <a:off x="5766220" y="1503724"/>
             <a:ext cx="1588" cy="256427"/>
           </a:xfrm>
           <a:prstGeom prst="line">
@@ -18176,47 +18176,6 @@
           </a:p>
         </p:txBody>
       </p:sp>
-      <p:cxnSp>
-        <p:nvCxnSpPr>
-          <p:cNvPr id="376" name="Straight Connector 375">
-            <a:extLst>
-              <a:ext uri="{FF2B5EF4-FFF2-40B4-BE49-F238E27FC236}">
-                <a16:creationId xmlns:a16="http://schemas.microsoft.com/office/drawing/2014/main" id="{BB2D1952-E88B-A24C-86E5-9D3E0E449D14}"/>
-              </a:ext>
-            </a:extLst>
-          </p:cNvPr>
-          <p:cNvCxnSpPr/>
-          <p:nvPr/>
-        </p:nvCxnSpPr>
-        <p:spPr>
-          <a:xfrm rot="5400000" flipH="1" flipV="1">
-            <a:off x="5766220" y="1513161"/>
-            <a:ext cx="1588" cy="256427"/>
-          </a:xfrm>
-          <a:prstGeom prst="line">
-            <a:avLst/>
-          </a:prstGeom>
-          <a:ln w="25400">
-            <a:solidFill>
-              <a:schemeClr val="tx1"/>
-            </a:solidFill>
-          </a:ln>
-        </p:spPr>
-        <p:style>
-          <a:lnRef idx="2">
-            <a:schemeClr val="accent1"/>
-          </a:lnRef>
-          <a:fillRef idx="0">
-            <a:schemeClr val="accent1"/>
-          </a:fillRef>
-          <a:effectRef idx="1">
-            <a:schemeClr val="accent1"/>
-          </a:effectRef>
-          <a:fontRef idx="minor">
-            <a:schemeClr val="tx1"/>
-          </a:fontRef>
-        </p:style>
-      </p:cxnSp>
       <p:sp>
         <p:nvSpPr>
           <p:cNvPr id="382" name="Oval 14">
@@ -18616,6 +18575,115 @@
               <a:extLst>
                 <a:ext uri="{FF2B5EF4-FFF2-40B4-BE49-F238E27FC236}">
                   <a16:creationId xmlns:a16="http://schemas.microsoft.com/office/drawing/2014/main" id="{F4DE552E-3999-E349-818A-812D3452702C}"/>
+                </a:ext>
+              </a:extLst>
+            </p:cNvPr>
+            <p:cNvSpPr>
+              <a:spLocks noChangeAspect="1" noChangeArrowheads="1"/>
+            </p:cNvSpPr>
+            <p:nvPr/>
+          </p:nvSpPr>
+          <p:spPr bwMode="auto">
+            <a:xfrm>
+              <a:off x="1344" y="2064"/>
+              <a:ext cx="192" cy="192"/>
+            </a:xfrm>
+            <a:prstGeom prst="rect">
+              <a:avLst/>
+            </a:prstGeom>
+            <a:noFill/>
+            <a:ln w="6350">
+              <a:noFill/>
+              <a:miter lim="800000"/>
+              <a:headEnd/>
+              <a:tailEnd/>
+            </a:ln>
+          </p:spPr>
+          <p:txBody>
+            <a:bodyPr wrap="none" anchor="ctr">
+              <a:prstTxWarp prst="textNoShape">
+                <a:avLst/>
+              </a:prstTxWarp>
+            </a:bodyPr>
+            <a:lstStyle/>
+            <a:p>
+              <a:endParaRPr lang="en-US"/>
+            </a:p>
+          </p:txBody>
+        </p:sp>
+      </p:grpSp>
+      <p:grpSp>
+        <p:nvGrpSpPr>
+          <p:cNvPr id="395" name="Group 13">
+            <a:extLst>
+              <a:ext uri="{FF2B5EF4-FFF2-40B4-BE49-F238E27FC236}">
+                <a16:creationId xmlns:a16="http://schemas.microsoft.com/office/drawing/2014/main" id="{21CD53B1-FC91-7441-BA92-0222EB9A7450}"/>
+              </a:ext>
+            </a:extLst>
+          </p:cNvPr>
+          <p:cNvGrpSpPr>
+            <a:grpSpLocks noChangeAspect="1"/>
+          </p:cNvGrpSpPr>
+          <p:nvPr/>
+        </p:nvGrpSpPr>
+        <p:grpSpPr bwMode="auto">
+          <a:xfrm>
+            <a:off x="1289053" y="2209006"/>
+            <a:ext cx="152400" cy="152400"/>
+            <a:chOff x="1344" y="2064"/>
+            <a:chExt cx="192" cy="192"/>
+          </a:xfrm>
+        </p:grpSpPr>
+        <p:sp>
+          <p:nvSpPr>
+            <p:cNvPr id="396" name="Oval 14">
+              <a:extLst>
+                <a:ext uri="{FF2B5EF4-FFF2-40B4-BE49-F238E27FC236}">
+                  <a16:creationId xmlns:a16="http://schemas.microsoft.com/office/drawing/2014/main" id="{6E2983A5-3A9B-654C-B3CC-2CFF9EAC400E}"/>
+                </a:ext>
+              </a:extLst>
+            </p:cNvPr>
+            <p:cNvSpPr>
+              <a:spLocks noChangeAspect="1" noChangeArrowheads="1"/>
+            </p:cNvSpPr>
+            <p:nvPr/>
+          </p:nvSpPr>
+          <p:spPr bwMode="auto">
+            <a:xfrm>
+              <a:off x="1392" y="2112"/>
+              <a:ext cx="96" cy="96"/>
+            </a:xfrm>
+            <a:prstGeom prst="ellipse">
+              <a:avLst/>
+            </a:prstGeom>
+            <a:solidFill>
+              <a:schemeClr val="tx1"/>
+            </a:solidFill>
+            <a:ln w="6350">
+              <a:noFill/>
+              <a:round/>
+              <a:headEnd/>
+              <a:tailEnd/>
+            </a:ln>
+          </p:spPr>
+          <p:txBody>
+            <a:bodyPr wrap="none" anchor="ctr">
+              <a:prstTxWarp prst="textNoShape">
+                <a:avLst/>
+              </a:prstTxWarp>
+            </a:bodyPr>
+            <a:lstStyle/>
+            <a:p>
+              <a:endParaRPr lang="en-US"/>
+            </a:p>
+          </p:txBody>
+        </p:sp>
+        <p:sp>
+          <p:nvSpPr>
+            <p:cNvPr id="397" name="Rectangle 15">
+              <a:extLst>
+                <a:ext uri="{FF2B5EF4-FFF2-40B4-BE49-F238E27FC236}">
+                  <a16:creationId xmlns:a16="http://schemas.microsoft.com/office/drawing/2014/main" id="{48D0D23D-C9CB-F84C-B680-193047825CD7}"/>
                 </a:ext>
               </a:extLst>
             </p:cNvPr>
